--- a/UML_Text_Christian.pptx
+++ b/UML_Text_Christian.pptx
@@ -112,6 +112,11 @@
       </a:defRPr>
     </a:lvl9pPr>
   </p:defaultTextStyle>
+  <p:extLst>
+    <p:ext uri="{EFAFB233-063F-42B5-8137-9DF3F51BA10A}">
+      <p15:sldGuideLst xmlns:p15="http://schemas.microsoft.com/office/powerpoint/2012/main"/>
+    </p:ext>
+  </p:extLst>
 </p:presentation>
 </file>
 
@@ -3689,7 +3694,7 @@
               <a:rPr lang="de-AT" sz="5200" b="1" dirty="0">
                 <a:latin typeface="+mn-lt"/>
               </a:rPr>
-              <a:t>Einsatz in Anforderungsanalyse, Kommunikationsmittel zw. Kunde &amp; Analytiker</a:t>
+              <a:t>Einsatz in Anforderungsanalyse, Kommunikationsmittel zw. Kunde &amp; Analytiker, Hohes Abstraktionsniveau</a:t>
             </a:r>
             <a:br>
               <a:rPr lang="de-AT" sz="5200" b="1" dirty="0">
